--- a/Sat_Data_Science/DS-Day-08 R.pptx
+++ b/Sat_Data_Science/DS-Day-08 R.pptx
@@ -201,7 +201,7 @@
           <a:p>
             <a:fld id="{22783AA6-C1EF-448D-A48A-EF30DCBEFCCC}" type="datetimeFigureOut">
               <a:rPr lang="en-US" smtClean="0"/>
-              <a:t>10/26/2018</a:t>
+              <a:t>10/27/2018</a:t>
             </a:fld>
             <a:endParaRPr lang="en-US"/>
           </a:p>
@@ -1121,7 +1121,7 @@
           <a:p>
             <a:fld id="{C14F4D0B-68E4-4C14-BD4D-319F9BD213A3}" type="datetimeFigureOut">
               <a:rPr lang="ru-RU" smtClean="0"/>
-              <a:t>26.10.2018</a:t>
+              <a:t>27.10.2018</a:t>
             </a:fld>
             <a:endParaRPr lang="ru-RU"/>
           </a:p>
@@ -1291,7 +1291,7 @@
           <a:p>
             <a:fld id="{C14F4D0B-68E4-4C14-BD4D-319F9BD213A3}" type="datetimeFigureOut">
               <a:rPr lang="ru-RU" smtClean="0"/>
-              <a:t>26.10.2018</a:t>
+              <a:t>27.10.2018</a:t>
             </a:fld>
             <a:endParaRPr lang="ru-RU"/>
           </a:p>
@@ -1471,7 +1471,7 @@
           <a:p>
             <a:fld id="{C14F4D0B-68E4-4C14-BD4D-319F9BD213A3}" type="datetimeFigureOut">
               <a:rPr lang="ru-RU" smtClean="0"/>
-              <a:t>26.10.2018</a:t>
+              <a:t>27.10.2018</a:t>
             </a:fld>
             <a:endParaRPr lang="ru-RU"/>
           </a:p>
@@ -1641,7 +1641,7 @@
           <a:p>
             <a:fld id="{C14F4D0B-68E4-4C14-BD4D-319F9BD213A3}" type="datetimeFigureOut">
               <a:rPr lang="ru-RU" smtClean="0"/>
-              <a:t>26.10.2018</a:t>
+              <a:t>27.10.2018</a:t>
             </a:fld>
             <a:endParaRPr lang="ru-RU"/>
           </a:p>
@@ -1892,7 +1892,7 @@
           <a:p>
             <a:fld id="{C14F4D0B-68E4-4C14-BD4D-319F9BD213A3}" type="datetimeFigureOut">
               <a:rPr lang="ru-RU" smtClean="0"/>
-              <a:t>26.10.2018</a:t>
+              <a:t>27.10.2018</a:t>
             </a:fld>
             <a:endParaRPr lang="ru-RU"/>
           </a:p>
@@ -2124,7 +2124,7 @@
           <a:p>
             <a:fld id="{C14F4D0B-68E4-4C14-BD4D-319F9BD213A3}" type="datetimeFigureOut">
               <a:rPr lang="ru-RU" smtClean="0"/>
-              <a:t>26.10.2018</a:t>
+              <a:t>27.10.2018</a:t>
             </a:fld>
             <a:endParaRPr lang="ru-RU"/>
           </a:p>
@@ -2471,7 +2471,7 @@
           <a:p>
             <a:fld id="{C14F4D0B-68E4-4C14-BD4D-319F9BD213A3}" type="datetimeFigureOut">
               <a:rPr lang="ru-RU" smtClean="0"/>
-              <a:t>26.10.2018</a:t>
+              <a:t>27.10.2018</a:t>
             </a:fld>
             <a:endParaRPr lang="ru-RU"/>
           </a:p>
@@ -2589,7 +2589,7 @@
           <a:p>
             <a:fld id="{C14F4D0B-68E4-4C14-BD4D-319F9BD213A3}" type="datetimeFigureOut">
               <a:rPr lang="ru-RU" smtClean="0"/>
-              <a:t>26.10.2018</a:t>
+              <a:t>27.10.2018</a:t>
             </a:fld>
             <a:endParaRPr lang="ru-RU"/>
           </a:p>
@@ -2707,7 +2707,7 @@
           <a:p>
             <a:fld id="{C14F4D0B-68E4-4C14-BD4D-319F9BD213A3}" type="datetimeFigureOut">
               <a:rPr lang="ru-RU" smtClean="0"/>
-              <a:t>26.10.2018</a:t>
+              <a:t>27.10.2018</a:t>
             </a:fld>
             <a:endParaRPr lang="ru-RU"/>
           </a:p>
@@ -2991,7 +2991,7 @@
           <a:p>
             <a:fld id="{C14F4D0B-68E4-4C14-BD4D-319F9BD213A3}" type="datetimeFigureOut">
               <a:rPr lang="ru-RU" smtClean="0"/>
-              <a:t>26.10.2018</a:t>
+              <a:t>27.10.2018</a:t>
             </a:fld>
             <a:endParaRPr lang="ru-RU"/>
           </a:p>
@@ -3255,7 +3255,7 @@
           <a:p>
             <a:fld id="{C14F4D0B-68E4-4C14-BD4D-319F9BD213A3}" type="datetimeFigureOut">
               <a:rPr lang="ru-RU" smtClean="0"/>
-              <a:t>26.10.2018</a:t>
+              <a:t>27.10.2018</a:t>
             </a:fld>
             <a:endParaRPr lang="ru-RU"/>
           </a:p>
@@ -3469,7 +3469,7 @@
           <a:p>
             <a:fld id="{C14F4D0B-68E4-4C14-BD4D-319F9BD213A3}" type="datetimeFigureOut">
               <a:rPr lang="ru-RU" smtClean="0"/>
-              <a:t>26.10.2018</a:t>
+              <a:t>27.10.2018</a:t>
             </a:fld>
             <a:endParaRPr lang="ru-RU"/>
           </a:p>
@@ -4027,7 +4027,7 @@
         <p:spPr>
           <a:xfrm>
             <a:off x="174140" y="922063"/>
-            <a:ext cx="8649820" cy="6001643"/>
+            <a:ext cx="8649820" cy="7109639"/>
           </a:xfrm>
           <a:prstGeom prst="rect">
             <a:avLst/>
@@ -4123,8 +4123,47 @@
             </a:r>
             <a:r>
               <a:rPr lang="ru-RU" sz="2400" dirty="0" smtClean="0"/>
-              <a:t>, количество оценок и количество зрителей в США.</a:t>
-            </a:r>
+              <a:t>, количество оценок и количество зрителей в США</a:t>
+            </a:r>
+            <a:r>
+              <a:rPr lang="ru-RU" sz="2400" dirty="0" smtClean="0"/>
+              <a:t>.</a:t>
+            </a:r>
+            <a:endParaRPr lang="en-US" sz="2400" dirty="0" smtClean="0"/>
+          </a:p>
+          <a:p>
+            <a:endParaRPr lang="en-US" sz="2400" dirty="0" smtClean="0"/>
+          </a:p>
+          <a:p>
+            <a:r>
+              <a:rPr lang="ru-RU" sz="2400" dirty="0" smtClean="0"/>
+              <a:t>Оптимизация параметров </a:t>
+            </a:r>
+            <a:r>
+              <a:rPr lang="ru-RU" sz="2400" dirty="0" err="1" smtClean="0"/>
+              <a:t>нейросети</a:t>
+            </a:r>
+            <a:r>
+              <a:rPr lang="ru-RU" sz="2400" dirty="0" smtClean="0"/>
+              <a:t>, заполнения </a:t>
+            </a:r>
+            <a:r>
+              <a:rPr lang="ru-RU" sz="2400" dirty="0" err="1" smtClean="0"/>
+              <a:t>майсом</a:t>
+            </a:r>
+            <a:r>
+              <a:rPr lang="ru-RU" sz="2400" dirty="0" smtClean="0"/>
+              <a:t> и </a:t>
+            </a:r>
+            <a:r>
+              <a:rPr lang="ru-RU" sz="2400" dirty="0" err="1" smtClean="0"/>
+              <a:t>статит</a:t>
+            </a:r>
+            <a:r>
+              <a:rPr lang="ru-RU" sz="2400" dirty="0" smtClean="0"/>
+              <a:t>. рядами</a:t>
+            </a:r>
+            <a:endParaRPr lang="ru-RU" sz="2400" dirty="0" smtClean="0"/>
           </a:p>
           <a:p>
             <a:endParaRPr lang="en-US" sz="2400" dirty="0"/>
@@ -5205,11 +5244,7 @@
             </a:r>
             <a:r>
               <a:rPr lang="en-US" dirty="0" err="1" smtClean="0"/>
-              <a:t>cma</a:t>
-            </a:r>
-            <a:r>
-              <a:rPr lang="en-US" dirty="0" err="1" smtClean="0"/>
-              <a:t>p</a:t>
+              <a:t>cmap</a:t>
             </a:r>
             <a:r>
               <a:rPr lang="en-US" dirty="0" smtClean="0"/>
@@ -5233,7 +5268,6 @@
               <a:rPr lang="en-US" dirty="0" smtClean="0"/>
               <a:t> </a:t>
             </a:r>
-            <a:endParaRPr lang="en-US" dirty="0" smtClean="0"/>
           </a:p>
           <a:p>
             <a:r>
@@ -5615,17 +5649,7 @@
                 <a:latin typeface="Arial" pitchFamily="34" charset="0"/>
                 <a:cs typeface="Arial" pitchFamily="34" charset="0"/>
               </a:rPr>
-              <a:t>Задание </a:t>
-            </a:r>
-            <a:r>
-              <a:rPr lang="ru-RU" sz="3600" b="1" dirty="0" smtClean="0">
-                <a:solidFill>
-                  <a:srgbClr val="0064B5"/>
-                </a:solidFill>
-                <a:latin typeface="Arial" pitchFamily="34" charset="0"/>
-                <a:cs typeface="Arial" pitchFamily="34" charset="0"/>
-              </a:rPr>
-              <a:t>2</a:t>
+              <a:t>Задание 2</a:t>
             </a:r>
             <a:endParaRPr lang="ru-RU" sz="3600" b="1" dirty="0">
               <a:solidFill>
@@ -5722,17 +5746,7 @@
                 <a:latin typeface="Arial" pitchFamily="34" charset="0"/>
                 <a:cs typeface="Arial" pitchFamily="34" charset="0"/>
               </a:rPr>
-              <a:t>Задание </a:t>
-            </a:r>
-            <a:r>
-              <a:rPr lang="ru-RU" sz="3600" b="1" dirty="0" smtClean="0">
-                <a:solidFill>
-                  <a:srgbClr val="0064B5"/>
-                </a:solidFill>
-                <a:latin typeface="Arial" pitchFamily="34" charset="0"/>
-                <a:cs typeface="Arial" pitchFamily="34" charset="0"/>
-              </a:rPr>
-              <a:t>3</a:t>
+              <a:t>Задание 3</a:t>
             </a:r>
             <a:endParaRPr lang="ru-RU" sz="3600" b="1" dirty="0">
               <a:solidFill>
@@ -5780,11 +5794,7 @@
             </a:pPr>
             <a:r>
               <a:rPr lang="ru-RU" sz="2400" dirty="0" smtClean="0"/>
-              <a:t>Отметить </a:t>
-            </a:r>
-            <a:r>
-              <a:rPr lang="ru-RU" sz="2400" dirty="0" smtClean="0"/>
-              <a:t>точками Киев, Львов, Одессу и Харьков.</a:t>
+              <a:t>Отметить точками Киев, Львов, Одессу и Харьков.</a:t>
             </a:r>
           </a:p>
           <a:p>
@@ -5793,15 +5803,7 @@
             </a:pPr>
             <a:r>
               <a:rPr lang="ru-RU" sz="2400" dirty="0" smtClean="0"/>
-              <a:t>Найти расстояния в км </a:t>
-            </a:r>
-            <a:r>
-              <a:rPr lang="ru-RU" sz="2400" dirty="0" smtClean="0"/>
-              <a:t>между городами по </a:t>
-            </a:r>
-            <a:r>
-              <a:rPr lang="ru-RU" sz="2400" dirty="0" smtClean="0"/>
-              <a:t>двум методам.</a:t>
+              <a:t>Найти расстояния в км между городами по двум методам.</a:t>
             </a:r>
           </a:p>
           <a:p>
@@ -5810,11 +5812,7 @@
             </a:pPr>
             <a:r>
               <a:rPr lang="ru-RU" sz="2400" dirty="0" smtClean="0"/>
-              <a:t>Нарисовать линию, которая соединяет Львов и Харьков</a:t>
-            </a:r>
-            <a:r>
-              <a:rPr lang="ru-RU" sz="2400" dirty="0" smtClean="0"/>
-              <a:t>.</a:t>
+              <a:t>Нарисовать линию, которая соединяет Львов и Харьков.</a:t>
             </a:r>
             <a:endParaRPr lang="en-US" sz="2400" dirty="0" smtClean="0"/>
           </a:p>
